--- a/Introduction to the TReNDs Cluster - Summer 2024.pptx
+++ b/Introduction to the TReNDs Cluster - Summer 2024.pptx
@@ -11508,7 +11508,15 @@
                   <a:schemeClr val="accent4"/>
                 </a:solidFill>
               </a:rPr>
-              <a:t>January 2024</a:t>
+              <a:t>May</a:t>
+            </a:r>
+            <a:r>
+              <a:rPr lang="en">
+                <a:solidFill>
+                  <a:schemeClr val="accent4"/>
+                </a:solidFill>
+              </a:rPr>
+              <a:t> 2024</a:t>
             </a:r>
             <a:endParaRPr>
               <a:solidFill>
@@ -20591,7 +20599,7 @@
             <a:tbl>
               <a:tblPr>
                 <a:noFill/>
-                <a:tableStyleId>{69567550-1C8E-44CD-BECD-144A626A7D0F}</a:tableStyleId>
+                <a:tableStyleId>{6ECCB492-A391-4F97-B320-6071CF3A2EC1}</a:tableStyleId>
               </a:tblPr>
               <a:tblGrid>
                 <a:gridCol w="1150150"/>
